--- a/A5.pptx
+++ b/A5.pptx
@@ -1063,7 +1063,7 @@
               </a14:hiddenLine>
             </a:ext>
             <a:ext uri="{FAA26D3D-D897-4be2-8F04-BA451C77F1D7}">
-              <ma14:placeholderFlag xmlns:ma14="http://schemas.microsoft.com/office/mac/drawingml/2011/main" xmlns="" val="1"/>
+              <ma14:placeholderFlag xmlns="" xmlns:ma14="http://schemas.microsoft.com/office/mac/drawingml/2011/main" val="1"/>
             </a:ext>
           </a:extLst>
         </p:spPr>
@@ -2934,7 +2934,7 @@
               <a:pPr>
                 <a:defRPr/>
               </a:pPr>
-              <a:t>7/11/2022</a:t>
+              <a:t>7/12/2022</a:t>
             </a:fld>
             <a:endParaRPr lang="en-US"/>
           </a:p>
@@ -3108,7 +3108,7 @@
               <a:pPr>
                 <a:defRPr/>
               </a:pPr>
-              <a:t>7/11/2022</a:t>
+              <a:t>7/12/2022</a:t>
             </a:fld>
             <a:endParaRPr lang="en-US"/>
           </a:p>
@@ -3285,7 +3285,7 @@
           <a:p>
             <a:fld id="{1D8BD707-D9CF-40AE-B4C6-C98DA3205C09}" type="datetimeFigureOut">
               <a:rPr lang="en-US"/>
-              <a:t>7/11/2022</a:t>
+              <a:t>7/12/2022</a:t>
             </a:fld>
             <a:endParaRPr lang="en-US"/>
           </a:p>
@@ -4905,7 +4905,7 @@
         <p:spPr/>
         <p:txBody>
           <a:bodyPr>
-            <a:normAutofit fontScale="47500" lnSpcReduction="20000"/>
+            <a:normAutofit fontScale="62500" lnSpcReduction="20000"/>
           </a:bodyPr>
           <a:lstStyle/>
           <a:p>
@@ -4916,25 +4916,42 @@
               <a:buNone/>
             </a:pPr>
             <a:r>
-              <a:rPr lang="en-CA" sz="1800" b="1" i="1" dirty="0">
+              <a:rPr lang="en-CA" sz="1800" dirty="0">
                 <a:effectLst/>
                 <a:latin typeface="Times New Roman" panose="02020603050405020304" pitchFamily="18" charset="0"/>
                 <a:ea typeface="Arial" panose="020B0604020202020204" pitchFamily="34" charset="0"/>
                 <a:cs typeface="Arial" panose="020B0604020202020204" pitchFamily="34" charset="0"/>
               </a:rPr>
-              <a:t>erc20_tokens.sol</a:t>
-            </a:r>
-            <a:r>
-              <a:rPr lang="en-CA" sz="1800" dirty="0">
+              <a:t> </a:t>
+            </a:r>
+          </a:p>
+          <a:p>
+            <a:pPr marL="211675" indent="0">
+              <a:lnSpc>
+                <a:spcPct val="115000"/>
+              </a:lnSpc>
+              <a:buNone/>
+            </a:pPr>
+            <a:r>
+              <a:rPr lang="es-ES" sz="1800" b="1" i="1" dirty="0" err="1">
                 <a:effectLst/>
                 <a:latin typeface="Times New Roman" panose="02020603050405020304" pitchFamily="18" charset="0"/>
                 <a:ea typeface="Arial" panose="020B0604020202020204" pitchFamily="34" charset="0"/>
                 <a:cs typeface="Arial" panose="020B0604020202020204" pitchFamily="34" charset="0"/>
               </a:rPr>
+              <a:t>actorFSM.sol</a:t>
+            </a:r>
+            <a:r>
+              <a:rPr lang="es-ES" sz="1800" dirty="0">
+                <a:effectLst/>
+                <a:latin typeface="Times New Roman" panose="02020603050405020304" pitchFamily="18" charset="0"/>
+                <a:ea typeface="Arial" panose="020B0604020202020204" pitchFamily="34" charset="0"/>
+                <a:cs typeface="Arial" panose="020B0604020202020204" pitchFamily="34" charset="0"/>
+              </a:rPr>
               <a:t>: </a:t>
             </a:r>
             <a:r>
-              <a:rPr lang="en-CA" sz="1800" u="sng" dirty="0">
+              <a:rPr lang="es-ES" sz="1800" u="sng" dirty="0">
                 <a:solidFill>
                   <a:srgbClr val="0563C1"/>
                 </a:solidFill>
@@ -4944,7 +4961,7 @@
                 <a:cs typeface="Arial" panose="020B0604020202020204" pitchFamily="34" charset="0"/>
                 <a:hlinkClick r:id="rId3"/>
               </a:rPr>
-              <a:t>https://github.com/chrisgangliu/6313-assignment5-skeleton/blob/main/erc20_tokens.sol</a:t>
+              <a:t>https://github.com/chrisgangliu/6313-assignment5-skeleton/blob/main/actorFSM.sol</a:t>
             </a:r>
             <a:endParaRPr lang="en-CA" sz="1800" dirty="0">
               <a:effectLst/>
@@ -4967,7 +4984,24 @@
                 <a:ea typeface="Arial" panose="020B0604020202020204" pitchFamily="34" charset="0"/>
                 <a:cs typeface="Arial" panose="020B0604020202020204" pitchFamily="34" charset="0"/>
               </a:rPr>
-              <a:t>This smart contract is a ERC20 token used for our application.</a:t>
+              <a:t>This is the abstract smart contract that is inherited by the generated smart contract.</a:t>
+            </a:r>
+          </a:p>
+          <a:p>
+            <a:pPr marL="102231" indent="0">
+              <a:lnSpc>
+                <a:spcPct val="115000"/>
+              </a:lnSpc>
+              <a:buNone/>
+            </a:pPr>
+            <a:r>
+              <a:rPr lang="en-CA" sz="1800" dirty="0">
+                <a:effectLst/>
+                <a:latin typeface="Times New Roman" panose="02020603050405020304" pitchFamily="18" charset="0"/>
+                <a:ea typeface="Arial" panose="020B0604020202020204" pitchFamily="34" charset="0"/>
+                <a:cs typeface="Arial" panose="020B0604020202020204" pitchFamily="34" charset="0"/>
+              </a:rPr>
+              <a:t> </a:t>
             </a:r>
           </a:p>
           <a:p>
@@ -4978,14 +5012,42 @@
               <a:buNone/>
             </a:pPr>
             <a:r>
-              <a:rPr lang="en-CA" sz="1800" dirty="0">
+              <a:rPr lang="fr-FR" sz="1800" b="1" i="1" dirty="0" err="1">
                 <a:effectLst/>
                 <a:latin typeface="Times New Roman" panose="02020603050405020304" pitchFamily="18" charset="0"/>
                 <a:ea typeface="Arial" panose="020B0604020202020204" pitchFamily="34" charset="0"/>
                 <a:cs typeface="Arial" panose="020B0604020202020204" pitchFamily="34" charset="0"/>
               </a:rPr>
-              <a:t> </a:t>
-            </a:r>
+              <a:t>partial_on_chain.sol</a:t>
+            </a:r>
+            <a:r>
+              <a:rPr lang="fr-FR" sz="1800" dirty="0">
+                <a:effectLst/>
+                <a:latin typeface="Times New Roman" panose="02020603050405020304" pitchFamily="18" charset="0"/>
+                <a:ea typeface="Arial" panose="020B0604020202020204" pitchFamily="34" charset="0"/>
+                <a:cs typeface="Arial" panose="020B0604020202020204" pitchFamily="34" charset="0"/>
+              </a:rPr>
+              <a:t>: </a:t>
+            </a:r>
+            <a:r>
+              <a:rPr lang="fr-FR" sz="1800" u="sng" dirty="0">
+                <a:solidFill>
+                  <a:srgbClr val="0563C1"/>
+                </a:solidFill>
+                <a:effectLst/>
+                <a:latin typeface="Times New Roman" panose="02020603050405020304" pitchFamily="18" charset="0"/>
+                <a:ea typeface="Arial" panose="020B0604020202020204" pitchFamily="34" charset="0"/>
+                <a:cs typeface="Arial" panose="020B0604020202020204" pitchFamily="34" charset="0"/>
+                <a:hlinkClick r:id="rId4"/>
+              </a:rPr>
+              <a:t>https://github.com/chrisgangliu/6313-assignment5-skeleton/blob/main/partial_on_chain.sol</a:t>
+            </a:r>
+            <a:endParaRPr lang="en-CA" sz="1800" dirty="0">
+              <a:effectLst/>
+              <a:latin typeface="Times New Roman" panose="02020603050405020304" pitchFamily="18" charset="0"/>
+              <a:ea typeface="Arial" panose="020B0604020202020204" pitchFamily="34" charset="0"/>
+              <a:cs typeface="Arial" panose="020B0604020202020204" pitchFamily="34" charset="0"/>
+            </a:endParaRPr>
           </a:p>
           <a:p>
             <a:pPr marL="211675" indent="0">
@@ -4995,25 +5057,59 @@
               <a:buNone/>
             </a:pPr>
             <a:r>
-              <a:rPr lang="es-ES" sz="1800" b="1" i="1" dirty="0" err="1">
+              <a:rPr lang="en-CA" sz="1800" dirty="0">
                 <a:effectLst/>
                 <a:latin typeface="Times New Roman" panose="02020603050405020304" pitchFamily="18" charset="0"/>
                 <a:ea typeface="Arial" panose="020B0604020202020204" pitchFamily="34" charset="0"/>
                 <a:cs typeface="Arial" panose="020B0604020202020204" pitchFamily="34" charset="0"/>
               </a:rPr>
-              <a:t>actorFSM.sol</a:t>
-            </a:r>
-            <a:r>
-              <a:rPr lang="es-ES" sz="1800" dirty="0">
+              <a:t>This smart contract is a coordinator that should be deployed on a public blockchain, such as </a:t>
+            </a:r>
+            <a:r>
+              <a:rPr lang="en-CA" sz="1800" dirty="0" err="1">
                 <a:effectLst/>
                 <a:latin typeface="Times New Roman" panose="02020603050405020304" pitchFamily="18" charset="0"/>
                 <a:ea typeface="Arial" panose="020B0604020202020204" pitchFamily="34" charset="0"/>
                 <a:cs typeface="Arial" panose="020B0604020202020204" pitchFamily="34" charset="0"/>
               </a:rPr>
-              <a:t>: </a:t>
-            </a:r>
-            <a:r>
-              <a:rPr lang="es-ES" sz="1800" u="sng" dirty="0">
+              <a:t>rinkeby</a:t>
+            </a:r>
+            <a:r>
+              <a:rPr lang="en-CA" sz="1800" dirty="0">
+                <a:effectLst/>
+                <a:latin typeface="Times New Roman" panose="02020603050405020304" pitchFamily="18" charset="0"/>
+                <a:ea typeface="Arial" panose="020B0604020202020204" pitchFamily="34" charset="0"/>
+                <a:cs typeface="Arial" panose="020B0604020202020204" pitchFamily="34" charset="0"/>
+              </a:rPr>
+              <a:t>. It is used as a mainchain smart contract that invokes the methods of the other smart contracts. </a:t>
+            </a:r>
+          </a:p>
+          <a:p>
+            <a:pPr marL="211675" indent="0">
+              <a:lnSpc>
+                <a:spcPct val="115000"/>
+              </a:lnSpc>
+              <a:buNone/>
+            </a:pPr>
+            <a:r>
+              <a:rPr lang="en-CA" sz="1800" dirty="0">
+                <a:effectLst/>
+                <a:latin typeface="Times New Roman" panose="02020603050405020304" pitchFamily="18" charset="0"/>
+                <a:ea typeface="Arial" panose="020B0604020202020204" pitchFamily="34" charset="0"/>
+                <a:cs typeface="Arial" panose="020B0604020202020204" pitchFamily="34" charset="0"/>
+              </a:rPr>
+              <a:t> </a:t>
+            </a:r>
+          </a:p>
+          <a:p>
+            <a:pPr marL="211675" indent="0">
+              <a:lnSpc>
+                <a:spcPct val="115000"/>
+              </a:lnSpc>
+              <a:buNone/>
+            </a:pPr>
+            <a:r>
+              <a:rPr lang="en-CA" sz="1800" b="1" i="1" u="none" strike="noStrike" dirty="0">
                 <a:solidFill>
                   <a:srgbClr val="0563C1"/>
                 </a:solidFill>
@@ -5021,9 +5117,40 @@
                 <a:latin typeface="Times New Roman" panose="02020603050405020304" pitchFamily="18" charset="0"/>
                 <a:ea typeface="Arial" panose="020B0604020202020204" pitchFamily="34" charset="0"/>
                 <a:cs typeface="Arial" panose="020B0604020202020204" pitchFamily="34" charset="0"/>
-                <a:hlinkClick r:id="rId4"/>
-              </a:rPr>
-              <a:t>https://github.com/chrisgangliu/6313-assignment5-skeleton/blob/main/actorFSM.sol</a:t>
+                <a:hlinkClick r:id="rId5" tooltip="S1_Buyer.sol"/>
+              </a:rPr>
+              <a:t>S1_Buyer.sol</a:t>
+            </a:r>
+            <a:r>
+              <a:rPr lang="en-CA" sz="1800" b="1" i="1" dirty="0">
+                <a:effectLst/>
+                <a:latin typeface="Times New Roman" panose="02020603050405020304" pitchFamily="18" charset="0"/>
+                <a:ea typeface="Arial" panose="020B0604020202020204" pitchFamily="34" charset="0"/>
+                <a:cs typeface="Arial" panose="020B0604020202020204" pitchFamily="34" charset="0"/>
+              </a:rPr>
+              <a:t>:</a:t>
+            </a:r>
+            <a:r>
+              <a:rPr lang="en-CA" sz="1800" dirty="0">
+                <a:effectLst/>
+                <a:latin typeface="Times New Roman" panose="02020603050405020304" pitchFamily="18" charset="0"/>
+                <a:ea typeface="Arial" panose="020B0604020202020204" pitchFamily="34" charset="0"/>
+                <a:cs typeface="Arial" panose="020B0604020202020204" pitchFamily="34" charset="0"/>
+              </a:rPr>
+              <a:t> </a:t>
+            </a:r>
+            <a:r>
+              <a:rPr lang="en-CA" sz="1800" u="sng" dirty="0">
+                <a:solidFill>
+                  <a:srgbClr val="0563C1"/>
+                </a:solidFill>
+                <a:effectLst/>
+                <a:latin typeface="Times New Roman" panose="02020603050405020304" pitchFamily="18" charset="0"/>
+                <a:ea typeface="Arial" panose="020B0604020202020204" pitchFamily="34" charset="0"/>
+                <a:cs typeface="Arial" panose="020B0604020202020204" pitchFamily="34" charset="0"/>
+                <a:hlinkClick r:id="rId5"/>
+              </a:rPr>
+              <a:t>https://github.com/chrisgangliu/6313-assignment5-skeleton/blob/main/S1_Buyer.sol</a:t>
             </a:r>
             <a:endParaRPr lang="en-CA" sz="1800" dirty="0">
               <a:effectLst/>
@@ -5046,24 +5173,7 @@
                 <a:ea typeface="Arial" panose="020B0604020202020204" pitchFamily="34" charset="0"/>
                 <a:cs typeface="Arial" panose="020B0604020202020204" pitchFamily="34" charset="0"/>
               </a:rPr>
-              <a:t>This is the abstract smart contract that is inherited by the generated smart contract.</a:t>
-            </a:r>
-          </a:p>
-          <a:p>
-            <a:pPr marL="102231" indent="0">
-              <a:lnSpc>
-                <a:spcPct val="115000"/>
-              </a:lnSpc>
-              <a:buNone/>
-            </a:pPr>
-            <a:r>
-              <a:rPr lang="en-CA" sz="1800" dirty="0">
-                <a:effectLst/>
-                <a:latin typeface="Times New Roman" panose="02020603050405020304" pitchFamily="18" charset="0"/>
-                <a:ea typeface="Arial" panose="020B0604020202020204" pitchFamily="34" charset="0"/>
-                <a:cs typeface="Arial" panose="020B0604020202020204" pitchFamily="34" charset="0"/>
-              </a:rPr>
-              <a:t> </a:t>
+              <a:t>This is the S1 buyer smart contract that should be deployed on a local/private blockchain, such as Ganache.</a:t>
             </a:r>
           </a:p>
           <a:p>
@@ -5074,25 +5184,24 @@
               <a:buNone/>
             </a:pPr>
             <a:r>
-              <a:rPr lang="fr-FR" sz="1800" b="1" i="1" dirty="0" err="1">
+              <a:rPr lang="en-CA" sz="1800" dirty="0">
                 <a:effectLst/>
                 <a:latin typeface="Times New Roman" panose="02020603050405020304" pitchFamily="18" charset="0"/>
                 <a:ea typeface="Arial" panose="020B0604020202020204" pitchFamily="34" charset="0"/>
                 <a:cs typeface="Arial" panose="020B0604020202020204" pitchFamily="34" charset="0"/>
               </a:rPr>
-              <a:t>partial_on_chain.sol</a:t>
-            </a:r>
-            <a:r>
-              <a:rPr lang="fr-FR" sz="1800" dirty="0">
-                <a:effectLst/>
-                <a:latin typeface="Times New Roman" panose="02020603050405020304" pitchFamily="18" charset="0"/>
-                <a:ea typeface="Arial" panose="020B0604020202020204" pitchFamily="34" charset="0"/>
-                <a:cs typeface="Arial" panose="020B0604020202020204" pitchFamily="34" charset="0"/>
-              </a:rPr>
-              <a:t>: </a:t>
-            </a:r>
-            <a:r>
-              <a:rPr lang="fr-FR" sz="1800" u="sng" dirty="0">
+              <a:t> </a:t>
+            </a:r>
+          </a:p>
+          <a:p>
+            <a:pPr marL="211675" indent="0">
+              <a:lnSpc>
+                <a:spcPct val="115000"/>
+              </a:lnSpc>
+              <a:buNone/>
+            </a:pPr>
+            <a:r>
+              <a:rPr lang="en-CA" sz="1800" b="1" i="1" u="none" strike="noStrike" dirty="0">
                 <a:solidFill>
                   <a:srgbClr val="0563C1"/>
                 </a:solidFill>
@@ -5100,9 +5209,31 @@
                 <a:latin typeface="Times New Roman" panose="02020603050405020304" pitchFamily="18" charset="0"/>
                 <a:ea typeface="Arial" panose="020B0604020202020204" pitchFamily="34" charset="0"/>
                 <a:cs typeface="Arial" panose="020B0604020202020204" pitchFamily="34" charset="0"/>
-                <a:hlinkClick r:id="rId5"/>
-              </a:rPr>
-              <a:t>https://github.com/chrisgangliu/6313-assignment5-skeleton/blob/main/partial_on_chain.sol</a:t>
+                <a:hlinkClick r:id="rId6" action="ppaction://hlinkfile"/>
+              </a:rPr>
+              <a:t>S3_Buyer.sol</a:t>
+            </a:r>
+            <a:r>
+              <a:rPr lang="en-CA" sz="1800" b="1" i="1" dirty="0">
+                <a:effectLst/>
+                <a:latin typeface="Times New Roman" panose="02020603050405020304" pitchFamily="18" charset="0"/>
+                <a:ea typeface="Arial" panose="020B0604020202020204" pitchFamily="34" charset="0"/>
+                <a:cs typeface="Arial" panose="020B0604020202020204" pitchFamily="34" charset="0"/>
+              </a:rPr>
+              <a:t>: </a:t>
+            </a:r>
+            <a:r>
+              <a:rPr lang="en-CA" sz="1800" u="sng" dirty="0">
+                <a:solidFill>
+                  <a:srgbClr val="0563C1"/>
+                </a:solidFill>
+                <a:effectLst/>
+                <a:latin typeface="Times New Roman" panose="02020603050405020304" pitchFamily="18" charset="0"/>
+                <a:ea typeface="Arial" panose="020B0604020202020204" pitchFamily="34" charset="0"/>
+                <a:cs typeface="Arial" panose="020B0604020202020204" pitchFamily="34" charset="0"/>
+                <a:hlinkClick r:id="rId7"/>
+              </a:rPr>
+              <a:t>https://github.com/chrisgangliu/6313-assignment5-skeleton/blob/main/S3_Buyer.sol</a:t>
             </a:r>
             <a:endParaRPr lang="en-CA" sz="1800" dirty="0">
               <a:effectLst/>
@@ -5125,25 +5256,7 @@
                 <a:ea typeface="Arial" panose="020B0604020202020204" pitchFamily="34" charset="0"/>
                 <a:cs typeface="Arial" panose="020B0604020202020204" pitchFamily="34" charset="0"/>
               </a:rPr>
-              <a:t>This smart contract is a coordinator that should be deployed on a public blockchain, such as </a:t>
-            </a:r>
-            <a:r>
-              <a:rPr lang="en-CA" sz="1800" dirty="0" err="1">
-                <a:effectLst/>
-                <a:latin typeface="Times New Roman" panose="02020603050405020304" pitchFamily="18" charset="0"/>
-                <a:ea typeface="Arial" panose="020B0604020202020204" pitchFamily="34" charset="0"/>
-                <a:cs typeface="Arial" panose="020B0604020202020204" pitchFamily="34" charset="0"/>
-              </a:rPr>
-              <a:t>rinkeby</a:t>
-            </a:r>
-            <a:r>
-              <a:rPr lang="en-CA" sz="1800" dirty="0">
-                <a:effectLst/>
-                <a:latin typeface="Times New Roman" panose="02020603050405020304" pitchFamily="18" charset="0"/>
-                <a:ea typeface="Arial" panose="020B0604020202020204" pitchFamily="34" charset="0"/>
-                <a:cs typeface="Arial" panose="020B0604020202020204" pitchFamily="34" charset="0"/>
-              </a:rPr>
-              <a:t>. It is used as a mainchain smart contract that invokes the methods of the other smart contracts. </a:t>
+              <a:t>This is the S3 buyer smart contract that should be deployed on a local/private blockchain, such as Ganache.</a:t>
             </a:r>
           </a:p>
           <a:p>
@@ -5179,9 +5292,9 @@
                 <a:latin typeface="Times New Roman" panose="02020603050405020304" pitchFamily="18" charset="0"/>
                 <a:ea typeface="Arial" panose="020B0604020202020204" pitchFamily="34" charset="0"/>
                 <a:cs typeface="Arial" panose="020B0604020202020204" pitchFamily="34" charset="0"/>
-                <a:hlinkClick r:id="rId6" tooltip="S1_Buyer.sol"/>
-              </a:rPr>
-              <a:t>S1_Buyer.sol</a:t>
+                <a:hlinkClick r:id="rId8" action="ppaction://hlinkfile"/>
+              </a:rPr>
+              <a:t>S3_Seller.sol</a:t>
             </a:r>
             <a:r>
               <a:rPr lang="en-CA" sz="1800" b="1" i="1" dirty="0">
@@ -5190,16 +5303,7 @@
                 <a:ea typeface="Arial" panose="020B0604020202020204" pitchFamily="34" charset="0"/>
                 <a:cs typeface="Arial" panose="020B0604020202020204" pitchFamily="34" charset="0"/>
               </a:rPr>
-              <a:t>:</a:t>
-            </a:r>
-            <a:r>
-              <a:rPr lang="en-CA" sz="1800" dirty="0">
-                <a:effectLst/>
-                <a:latin typeface="Times New Roman" panose="02020603050405020304" pitchFamily="18" charset="0"/>
-                <a:ea typeface="Arial" panose="020B0604020202020204" pitchFamily="34" charset="0"/>
-                <a:cs typeface="Arial" panose="020B0604020202020204" pitchFamily="34" charset="0"/>
-              </a:rPr>
-              <a:t> </a:t>
+              <a:t>: </a:t>
             </a:r>
             <a:r>
               <a:rPr lang="en-CA" sz="1800" u="sng" dirty="0">
@@ -5210,173 +5314,7 @@
                 <a:latin typeface="Times New Roman" panose="02020603050405020304" pitchFamily="18" charset="0"/>
                 <a:ea typeface="Arial" panose="020B0604020202020204" pitchFamily="34" charset="0"/>
                 <a:cs typeface="Arial" panose="020B0604020202020204" pitchFamily="34" charset="0"/>
-                <a:hlinkClick r:id="rId6"/>
-              </a:rPr>
-              <a:t>https://github.com/chrisgangliu/6313-assignment5-skeleton/blob/main/S1_Buyer.sol</a:t>
-            </a:r>
-            <a:endParaRPr lang="en-CA" sz="1800" dirty="0">
-              <a:effectLst/>
-              <a:latin typeface="Times New Roman" panose="02020603050405020304" pitchFamily="18" charset="0"/>
-              <a:ea typeface="Arial" panose="020B0604020202020204" pitchFamily="34" charset="0"/>
-              <a:cs typeface="Arial" panose="020B0604020202020204" pitchFamily="34" charset="0"/>
-            </a:endParaRPr>
-          </a:p>
-          <a:p>
-            <a:pPr marL="211675" indent="0">
-              <a:lnSpc>
-                <a:spcPct val="115000"/>
-              </a:lnSpc>
-              <a:buNone/>
-            </a:pPr>
-            <a:r>
-              <a:rPr lang="en-CA" sz="1800" dirty="0">
-                <a:effectLst/>
-                <a:latin typeface="Times New Roman" panose="02020603050405020304" pitchFamily="18" charset="0"/>
-                <a:ea typeface="Arial" panose="020B0604020202020204" pitchFamily="34" charset="0"/>
-                <a:cs typeface="Arial" panose="020B0604020202020204" pitchFamily="34" charset="0"/>
-              </a:rPr>
-              <a:t>This is the S1 buyer smart contract that should be deployed on a local/private blockchain, such as Ganache.</a:t>
-            </a:r>
-          </a:p>
-          <a:p>
-            <a:pPr marL="211675" indent="0">
-              <a:lnSpc>
-                <a:spcPct val="115000"/>
-              </a:lnSpc>
-              <a:buNone/>
-            </a:pPr>
-            <a:r>
-              <a:rPr lang="en-CA" sz="1800" dirty="0">
-                <a:effectLst/>
-                <a:latin typeface="Times New Roman" panose="02020603050405020304" pitchFamily="18" charset="0"/>
-                <a:ea typeface="Arial" panose="020B0604020202020204" pitchFamily="34" charset="0"/>
-                <a:cs typeface="Arial" panose="020B0604020202020204" pitchFamily="34" charset="0"/>
-              </a:rPr>
-              <a:t> </a:t>
-            </a:r>
-          </a:p>
-          <a:p>
-            <a:pPr marL="211675" indent="0">
-              <a:lnSpc>
-                <a:spcPct val="115000"/>
-              </a:lnSpc>
-              <a:buNone/>
-            </a:pPr>
-            <a:r>
-              <a:rPr lang="en-CA" sz="1800" b="1" i="1" u="none" strike="noStrike" dirty="0">
-                <a:solidFill>
-                  <a:srgbClr val="0563C1"/>
-                </a:solidFill>
-                <a:effectLst/>
-                <a:latin typeface="Times New Roman" panose="02020603050405020304" pitchFamily="18" charset="0"/>
-                <a:ea typeface="Arial" panose="020B0604020202020204" pitchFamily="34" charset="0"/>
-                <a:cs typeface="Arial" panose="020B0604020202020204" pitchFamily="34" charset="0"/>
-                <a:hlinkClick r:id="rId7" action="ppaction://hlinkfile"/>
-              </a:rPr>
-              <a:t>S3_Buyer.sol</a:t>
-            </a:r>
-            <a:r>
-              <a:rPr lang="en-CA" sz="1800" b="1" i="1" dirty="0">
-                <a:effectLst/>
-                <a:latin typeface="Times New Roman" panose="02020603050405020304" pitchFamily="18" charset="0"/>
-                <a:ea typeface="Arial" panose="020B0604020202020204" pitchFamily="34" charset="0"/>
-                <a:cs typeface="Arial" panose="020B0604020202020204" pitchFamily="34" charset="0"/>
-              </a:rPr>
-              <a:t>: </a:t>
-            </a:r>
-            <a:r>
-              <a:rPr lang="en-CA" sz="1800" u="sng" dirty="0">
-                <a:solidFill>
-                  <a:srgbClr val="0563C1"/>
-                </a:solidFill>
-                <a:effectLst/>
-                <a:latin typeface="Times New Roman" panose="02020603050405020304" pitchFamily="18" charset="0"/>
-                <a:ea typeface="Arial" panose="020B0604020202020204" pitchFamily="34" charset="0"/>
-                <a:cs typeface="Arial" panose="020B0604020202020204" pitchFamily="34" charset="0"/>
-                <a:hlinkClick r:id="rId8"/>
-              </a:rPr>
-              <a:t>https://github.com/chrisgangliu/6313-assignment5-skeleton/blob/main/S3_Buyer.sol</a:t>
-            </a:r>
-            <a:endParaRPr lang="en-CA" sz="1800" dirty="0">
-              <a:effectLst/>
-              <a:latin typeface="Times New Roman" panose="02020603050405020304" pitchFamily="18" charset="0"/>
-              <a:ea typeface="Arial" panose="020B0604020202020204" pitchFamily="34" charset="0"/>
-              <a:cs typeface="Arial" panose="020B0604020202020204" pitchFamily="34" charset="0"/>
-            </a:endParaRPr>
-          </a:p>
-          <a:p>
-            <a:pPr marL="211675" indent="0">
-              <a:lnSpc>
-                <a:spcPct val="115000"/>
-              </a:lnSpc>
-              <a:buNone/>
-            </a:pPr>
-            <a:r>
-              <a:rPr lang="en-CA" sz="1800" dirty="0">
-                <a:effectLst/>
-                <a:latin typeface="Times New Roman" panose="02020603050405020304" pitchFamily="18" charset="0"/>
-                <a:ea typeface="Arial" panose="020B0604020202020204" pitchFamily="34" charset="0"/>
-                <a:cs typeface="Arial" panose="020B0604020202020204" pitchFamily="34" charset="0"/>
-              </a:rPr>
-              <a:t>This is the S3 buyer smart contract that should be deployed on a local/private blockchain, such as Ganache.</a:t>
-            </a:r>
-          </a:p>
-          <a:p>
-            <a:pPr marL="211675" indent="0">
-              <a:lnSpc>
-                <a:spcPct val="115000"/>
-              </a:lnSpc>
-              <a:buNone/>
-            </a:pPr>
-            <a:r>
-              <a:rPr lang="en-CA" sz="1800" dirty="0">
-                <a:effectLst/>
-                <a:latin typeface="Times New Roman" panose="02020603050405020304" pitchFamily="18" charset="0"/>
-                <a:ea typeface="Arial" panose="020B0604020202020204" pitchFamily="34" charset="0"/>
-                <a:cs typeface="Arial" panose="020B0604020202020204" pitchFamily="34" charset="0"/>
-              </a:rPr>
-              <a:t> </a:t>
-            </a:r>
-          </a:p>
-          <a:p>
-            <a:pPr marL="211675" indent="0">
-              <a:lnSpc>
-                <a:spcPct val="115000"/>
-              </a:lnSpc>
-              <a:buNone/>
-            </a:pPr>
-            <a:r>
-              <a:rPr lang="en-CA" sz="1800" b="1" i="1" u="none" strike="noStrike" dirty="0">
-                <a:solidFill>
-                  <a:srgbClr val="0563C1"/>
-                </a:solidFill>
-                <a:effectLst/>
-                <a:latin typeface="Times New Roman" panose="02020603050405020304" pitchFamily="18" charset="0"/>
-                <a:ea typeface="Arial" panose="020B0604020202020204" pitchFamily="34" charset="0"/>
-                <a:cs typeface="Arial" panose="020B0604020202020204" pitchFamily="34" charset="0"/>
-                <a:hlinkClick r:id="rId9" action="ppaction://hlinkfile"/>
-              </a:rPr>
-              <a:t>S3_Seller.sol</a:t>
-            </a:r>
-            <a:r>
-              <a:rPr lang="en-CA" sz="1800" b="1" i="1" dirty="0">
-                <a:effectLst/>
-                <a:latin typeface="Times New Roman" panose="02020603050405020304" pitchFamily="18" charset="0"/>
-                <a:ea typeface="Arial" panose="020B0604020202020204" pitchFamily="34" charset="0"/>
-                <a:cs typeface="Arial" panose="020B0604020202020204" pitchFamily="34" charset="0"/>
-              </a:rPr>
-              <a:t>: </a:t>
-            </a:r>
-            <a:r>
-              <a:rPr lang="en-CA" sz="1800" u="sng" dirty="0">
-                <a:solidFill>
-                  <a:srgbClr val="0563C1"/>
-                </a:solidFill>
-                <a:effectLst/>
-                <a:latin typeface="Times New Roman" panose="02020603050405020304" pitchFamily="18" charset="0"/>
-                <a:ea typeface="Arial" panose="020B0604020202020204" pitchFamily="34" charset="0"/>
-                <a:cs typeface="Arial" panose="020B0604020202020204" pitchFamily="34" charset="0"/>
-                <a:hlinkClick r:id="rId10"/>
+                <a:hlinkClick r:id="rId9"/>
               </a:rPr>
               <a:t>https://github.com/chrisgangliu/6313-assignment5-skeleton/blob/main/S3_Seller.sol</a:t>
             </a:r>
@@ -5525,27 +5463,14 @@
               </a:lnSpc>
             </a:pPr>
             <a:r>
-              <a:rPr lang="en-CA" sz="1614" b="1" i="1" dirty="0">
+              <a:rPr lang="es-ES" sz="1614" b="1" i="1">
                 <a:effectLst/>
                 <a:latin typeface="Times New Roman" panose="02020603050405020304" pitchFamily="18" charset="0"/>
                 <a:ea typeface="Arial" panose="020B0604020202020204" pitchFamily="34" charset="0"/>
                 <a:cs typeface="Arial" panose="020B0604020202020204" pitchFamily="34" charset="0"/>
               </a:rPr>
-              <a:t>erc20_tokens.sol</a:t>
-            </a:r>
-            <a:endParaRPr lang="en-CA" sz="1614" dirty="0">
-              <a:effectLst/>
-              <a:latin typeface="Times New Roman" panose="02020603050405020304" pitchFamily="18" charset="0"/>
-              <a:ea typeface="Arial" panose="020B0604020202020204" pitchFamily="34" charset="0"/>
-              <a:cs typeface="Arial" panose="020B0604020202020204" pitchFamily="34" charset="0"/>
-            </a:endParaRPr>
-          </a:p>
-          <a:p>
-            <a:pPr marL="770042" lvl="1" indent="-285750">
-              <a:lnSpc>
-                <a:spcPct val="115000"/>
-              </a:lnSpc>
-            </a:pPr>
+              <a:t>actorFSM</a:t>
+            </a:r>
             <a:r>
               <a:rPr lang="es-ES" sz="1614" b="1" i="1" dirty="0" err="1">
                 <a:effectLst/>
@@ -5553,7 +5478,7 @@
                 <a:ea typeface="Arial" panose="020B0604020202020204" pitchFamily="34" charset="0"/>
                 <a:cs typeface="Arial" panose="020B0604020202020204" pitchFamily="34" charset="0"/>
               </a:rPr>
-              <a:t>actorFSM.sol</a:t>
+              <a:t>.sol</a:t>
             </a:r>
             <a:endParaRPr lang="es-ES" sz="1614" dirty="0">
               <a:effectLst/>
